--- a/road map.pptx
+++ b/road map.pptx
@@ -9,6 +9,9 @@
     <p:sldId id="257" r:id="rId3"/>
     <p:sldId id="258" r:id="rId4"/>
     <p:sldId id="259" r:id="rId5"/>
+    <p:sldId id="260" r:id="rId6"/>
+    <p:sldId id="262" r:id="rId7"/>
+    <p:sldId id="261" r:id="rId8"/>
   </p:sldIdLst>
   <p:sldSz cx="12192000" cy="6858000"/>
   <p:notesSz cx="6858000" cy="9144000"/>
@@ -107,6 +110,11 @@
       </a:defRPr>
     </a:lvl9pPr>
   </p:defaultTextStyle>
+  <p:extLst>
+    <p:ext uri="{EFAFB233-063F-42B5-8137-9DF3F51BA10A}">
+      <p15:sldGuideLst xmlns:p15="http://schemas.microsoft.com/office/powerpoint/2012/main"/>
+    </p:ext>
+  </p:extLst>
 </p:presentation>
 </file>
 
@@ -241,7 +249,7 @@
           <a:p>
             <a:fld id="{6F7F58D0-DD60-48CC-AC0F-C0A78A33C1E3}" type="datetimeFigureOut">
               <a:rPr lang="en-US" smtClean="0"/>
-              <a:t>7/11/2020</a:t>
+              <a:t>7/12/2020</a:t>
             </a:fld>
             <a:endParaRPr lang="en-US"/>
           </a:p>
@@ -411,7 +419,7 @@
           <a:p>
             <a:fld id="{6F7F58D0-DD60-48CC-AC0F-C0A78A33C1E3}" type="datetimeFigureOut">
               <a:rPr lang="en-US" smtClean="0"/>
-              <a:t>7/11/2020</a:t>
+              <a:t>7/12/2020</a:t>
             </a:fld>
             <a:endParaRPr lang="en-US"/>
           </a:p>
@@ -591,7 +599,7 @@
           <a:p>
             <a:fld id="{6F7F58D0-DD60-48CC-AC0F-C0A78A33C1E3}" type="datetimeFigureOut">
               <a:rPr lang="en-US" smtClean="0"/>
-              <a:t>7/11/2020</a:t>
+              <a:t>7/12/2020</a:t>
             </a:fld>
             <a:endParaRPr lang="en-US"/>
           </a:p>
@@ -761,7 +769,7 @@
           <a:p>
             <a:fld id="{6F7F58D0-DD60-48CC-AC0F-C0A78A33C1E3}" type="datetimeFigureOut">
               <a:rPr lang="en-US" smtClean="0"/>
-              <a:t>7/11/2020</a:t>
+              <a:t>7/12/2020</a:t>
             </a:fld>
             <a:endParaRPr lang="en-US"/>
           </a:p>
@@ -1007,7 +1015,7 @@
           <a:p>
             <a:fld id="{6F7F58D0-DD60-48CC-AC0F-C0A78A33C1E3}" type="datetimeFigureOut">
               <a:rPr lang="en-US" smtClean="0"/>
-              <a:t>7/11/2020</a:t>
+              <a:t>7/12/2020</a:t>
             </a:fld>
             <a:endParaRPr lang="en-US"/>
           </a:p>
@@ -1239,7 +1247,7 @@
           <a:p>
             <a:fld id="{6F7F58D0-DD60-48CC-AC0F-C0A78A33C1E3}" type="datetimeFigureOut">
               <a:rPr lang="en-US" smtClean="0"/>
-              <a:t>7/11/2020</a:t>
+              <a:t>7/12/2020</a:t>
             </a:fld>
             <a:endParaRPr lang="en-US"/>
           </a:p>
@@ -1606,7 +1614,7 @@
           <a:p>
             <a:fld id="{6F7F58D0-DD60-48CC-AC0F-C0A78A33C1E3}" type="datetimeFigureOut">
               <a:rPr lang="en-US" smtClean="0"/>
-              <a:t>7/11/2020</a:t>
+              <a:t>7/12/2020</a:t>
             </a:fld>
             <a:endParaRPr lang="en-US"/>
           </a:p>
@@ -1724,7 +1732,7 @@
           <a:p>
             <a:fld id="{6F7F58D0-DD60-48CC-AC0F-C0A78A33C1E3}" type="datetimeFigureOut">
               <a:rPr lang="en-US" smtClean="0"/>
-              <a:t>7/11/2020</a:t>
+              <a:t>7/12/2020</a:t>
             </a:fld>
             <a:endParaRPr lang="en-US"/>
           </a:p>
@@ -1819,7 +1827,7 @@
           <a:p>
             <a:fld id="{6F7F58D0-DD60-48CC-AC0F-C0A78A33C1E3}" type="datetimeFigureOut">
               <a:rPr lang="en-US" smtClean="0"/>
-              <a:t>7/11/2020</a:t>
+              <a:t>7/12/2020</a:t>
             </a:fld>
             <a:endParaRPr lang="en-US"/>
           </a:p>
@@ -2096,7 +2104,7 @@
           <a:p>
             <a:fld id="{6F7F58D0-DD60-48CC-AC0F-C0A78A33C1E3}" type="datetimeFigureOut">
               <a:rPr lang="en-US" smtClean="0"/>
-              <a:t>7/11/2020</a:t>
+              <a:t>7/12/2020</a:t>
             </a:fld>
             <a:endParaRPr lang="en-US"/>
           </a:p>
@@ -2349,7 +2357,7 @@
           <a:p>
             <a:fld id="{6F7F58D0-DD60-48CC-AC0F-C0A78A33C1E3}" type="datetimeFigureOut">
               <a:rPr lang="en-US" smtClean="0"/>
-              <a:t>7/11/2020</a:t>
+              <a:t>7/12/2020</a:t>
             </a:fld>
             <a:endParaRPr lang="en-US"/>
           </a:p>
@@ -2562,7 +2570,7 @@
           <a:p>
             <a:fld id="{6F7F58D0-DD60-48CC-AC0F-C0A78A33C1E3}" type="datetimeFigureOut">
               <a:rPr lang="en-US" smtClean="0"/>
-              <a:t>7/11/2020</a:t>
+              <a:t>7/12/2020</a:t>
             </a:fld>
             <a:endParaRPr lang="en-US"/>
           </a:p>
@@ -3391,7 +3399,11 @@
           <a:p>
             <a:pPr algn="ctr"/>
             <a:r>
-              <a:rPr lang="en-US" dirty="0" err="1" smtClean="0"/>
+              <a:rPr lang="en-US" dirty="0" err="1" smtClean="0">
+                <a:solidFill>
+                  <a:srgbClr val="FF0000"/>
+                </a:solidFill>
+              </a:rPr>
               <a:t>AngualarIO</a:t>
             </a:r>
             <a:r>
@@ -3440,9 +3452,21 @@
             <a:pPr algn="ctr"/>
             <a:r>
               <a:rPr lang="en-US" dirty="0" smtClean="0"/>
-              <a:t>JS, TYPESCRIPT</a:t>
-            </a:r>
-            <a:endParaRPr lang="en-US" dirty="0"/>
+              <a:t>JS, </a:t>
+            </a:r>
+            <a:r>
+              <a:rPr lang="en-US" dirty="0" smtClean="0">
+                <a:solidFill>
+                  <a:srgbClr val="FF0000"/>
+                </a:solidFill>
+              </a:rPr>
+              <a:t>TYPESCRIPT</a:t>
+            </a:r>
+            <a:endParaRPr lang="en-US" dirty="0">
+              <a:solidFill>
+                <a:srgbClr val="FF0000"/>
+              </a:solidFill>
+            </a:endParaRPr>
           </a:p>
         </p:txBody>
       </p:sp>
@@ -3483,8 +3507,28 @@
           <a:p>
             <a:pPr algn="ctr"/>
             <a:r>
+              <a:rPr lang="en-US" dirty="0" smtClean="0">
+                <a:solidFill>
+                  <a:srgbClr val="FF0000"/>
+                </a:solidFill>
+              </a:rPr>
+              <a:t>IONIC</a:t>
+            </a:r>
+            <a:r>
               <a:rPr lang="en-US" dirty="0" smtClean="0"/>
-              <a:t>IONIC, CORDOVA : WP, ANDROID,IOS</a:t>
+              <a:t>, </a:t>
+            </a:r>
+            <a:r>
+              <a:rPr lang="en-US" dirty="0" smtClean="0">
+                <a:solidFill>
+                  <a:srgbClr val="FF0000"/>
+                </a:solidFill>
+              </a:rPr>
+              <a:t>CORDOVA</a:t>
+            </a:r>
+            <a:r>
+              <a:rPr lang="en-US" dirty="0" smtClean="0"/>
+              <a:t> : WP, ANDROID,IOS</a:t>
             </a:r>
             <a:endParaRPr lang="en-US" dirty="0"/>
           </a:p>
@@ -3586,11 +3630,6 @@
               </a:rPr>
               <a:t>firebase</a:t>
             </a:r>
-            <a:endParaRPr lang="en-US" dirty="0">
-              <a:solidFill>
-                <a:srgbClr val="FF0000"/>
-              </a:solidFill>
-            </a:endParaRPr>
           </a:p>
         </p:txBody>
       </p:sp>
@@ -3703,8 +3742,16 @@
           <a:p>
             <a:pPr algn="ctr"/>
             <a:r>
+              <a:rPr lang="en-US" dirty="0" smtClean="0">
+                <a:solidFill>
+                  <a:srgbClr val="FF0000"/>
+                </a:solidFill>
+              </a:rPr>
+              <a:t>Express</a:t>
+            </a:r>
+            <a:r>
               <a:rPr lang="en-US" dirty="0" smtClean="0"/>
-              <a:t>Express….</a:t>
+              <a:t>….</a:t>
             </a:r>
             <a:endParaRPr lang="en-US" dirty="0"/>
           </a:p>
@@ -3748,9 +3795,21 @@
             <a:pPr algn="ctr"/>
             <a:r>
               <a:rPr lang="en-US" dirty="0" smtClean="0"/>
-              <a:t>JS, TYPESCRIPT</a:t>
-            </a:r>
-            <a:endParaRPr lang="en-US" dirty="0"/>
+              <a:t>JS, </a:t>
+            </a:r>
+            <a:r>
+              <a:rPr lang="en-US" dirty="0" smtClean="0">
+                <a:solidFill>
+                  <a:srgbClr val="FF0000"/>
+                </a:solidFill>
+              </a:rPr>
+              <a:t>TYPESCRIPT</a:t>
+            </a:r>
+            <a:endParaRPr lang="en-US" dirty="0">
+              <a:solidFill>
+                <a:srgbClr val="FF0000"/>
+              </a:solidFill>
+            </a:endParaRPr>
           </a:p>
         </p:txBody>
       </p:sp>
@@ -3964,6 +4023,1264 @@
     <p:extLst>
       <p:ext uri="{BB962C8B-B14F-4D97-AF65-F5344CB8AC3E}">
         <p14:creationId xmlns:p14="http://schemas.microsoft.com/office/powerpoint/2010/main" val="1595755192"/>
+      </p:ext>
+    </p:extLst>
+  </p:cSld>
+  <p:clrMapOvr>
+    <a:masterClrMapping/>
+  </p:clrMapOvr>
+</p:sld>
+</file>
+
+<file path=ppt/slides/slide5.xml><?xml version="1.0" encoding="utf-8"?>
+<p:sld xmlns:a="http://schemas.openxmlformats.org/drawingml/2006/main" xmlns:r="http://schemas.openxmlformats.org/officeDocument/2006/relationships" xmlns:p="http://schemas.openxmlformats.org/presentationml/2006/main">
+  <p:cSld>
+    <p:spTree>
+      <p:nvGrpSpPr>
+        <p:cNvPr id="1" name=""/>
+        <p:cNvGrpSpPr/>
+        <p:nvPr/>
+      </p:nvGrpSpPr>
+      <p:grpSpPr>
+        <a:xfrm>
+          <a:off x="0" y="0"/>
+          <a:ext cx="0" cy="0"/>
+          <a:chOff x="0" y="0"/>
+          <a:chExt cx="0" cy="0"/>
+        </a:xfrm>
+      </p:grpSpPr>
+      <p:sp>
+        <p:nvSpPr>
+          <p:cNvPr id="2" name="Title 1"/>
+          <p:cNvSpPr>
+            <a:spLocks noGrp="1"/>
+          </p:cNvSpPr>
+          <p:nvPr>
+            <p:ph type="title"/>
+          </p:nvPr>
+        </p:nvSpPr>
+        <p:spPr/>
+        <p:txBody>
+          <a:bodyPr/>
+          <a:lstStyle/>
+          <a:p>
+            <a:r>
+              <a:rPr lang="en-US" dirty="0" smtClean="0"/>
+              <a:t>Winner game: structure</a:t>
+            </a:r>
+            <a:endParaRPr lang="en-US" dirty="0"/>
+          </a:p>
+        </p:txBody>
+      </p:sp>
+      <p:sp>
+        <p:nvSpPr>
+          <p:cNvPr id="3" name="Content Placeholder 2"/>
+          <p:cNvSpPr>
+            <a:spLocks noGrp="1"/>
+          </p:cNvSpPr>
+          <p:nvPr>
+            <p:ph idx="1"/>
+          </p:nvPr>
+        </p:nvSpPr>
+        <p:spPr/>
+        <p:txBody>
+          <a:bodyPr/>
+          <a:lstStyle/>
+          <a:p>
+            <a:endParaRPr lang="en-US" dirty="0"/>
+          </a:p>
+        </p:txBody>
+      </p:sp>
+      <p:sp>
+        <p:nvSpPr>
+          <p:cNvPr id="4" name="Rectangle 3"/>
+          <p:cNvSpPr/>
+          <p:nvPr/>
+        </p:nvSpPr>
+        <p:spPr>
+          <a:xfrm>
+            <a:off x="1779373" y="2537254"/>
+            <a:ext cx="2092411" cy="1482811"/>
+          </a:xfrm>
+          <a:prstGeom prst="rect">
+            <a:avLst/>
+          </a:prstGeom>
+        </p:spPr>
+        <p:style>
+          <a:lnRef idx="2">
+            <a:schemeClr val="accent1">
+              <a:shade val="50000"/>
+            </a:schemeClr>
+          </a:lnRef>
+          <a:fillRef idx="1">
+            <a:schemeClr val="accent1"/>
+          </a:fillRef>
+          <a:effectRef idx="0">
+            <a:schemeClr val="accent1"/>
+          </a:effectRef>
+          <a:fontRef idx="minor">
+            <a:schemeClr val="lt1"/>
+          </a:fontRef>
+        </p:style>
+        <p:txBody>
+          <a:bodyPr rtlCol="0" anchor="ctr"/>
+          <a:lstStyle/>
+          <a:p>
+            <a:pPr algn="ctr"/>
+            <a:r>
+              <a:rPr lang="en-US" dirty="0" smtClean="0"/>
+              <a:t>Game issuers</a:t>
+            </a:r>
+            <a:endParaRPr lang="en-US" dirty="0"/>
+          </a:p>
+        </p:txBody>
+      </p:sp>
+      <p:sp>
+        <p:nvSpPr>
+          <p:cNvPr id="5" name="Rectangle 4"/>
+          <p:cNvSpPr/>
+          <p:nvPr/>
+        </p:nvSpPr>
+        <p:spPr>
+          <a:xfrm>
+            <a:off x="5783991" y="2537254"/>
+            <a:ext cx="2092411" cy="1482811"/>
+          </a:xfrm>
+          <a:prstGeom prst="rect">
+            <a:avLst/>
+          </a:prstGeom>
+        </p:spPr>
+        <p:style>
+          <a:lnRef idx="2">
+            <a:schemeClr val="accent1">
+              <a:shade val="50000"/>
+            </a:schemeClr>
+          </a:lnRef>
+          <a:fillRef idx="1">
+            <a:schemeClr val="accent1"/>
+          </a:fillRef>
+          <a:effectRef idx="0">
+            <a:schemeClr val="accent1"/>
+          </a:effectRef>
+          <a:fontRef idx="minor">
+            <a:schemeClr val="lt1"/>
+          </a:fontRef>
+        </p:style>
+        <p:txBody>
+          <a:bodyPr rtlCol="0" anchor="ctr"/>
+          <a:lstStyle/>
+          <a:p>
+            <a:pPr algn="ctr"/>
+            <a:r>
+              <a:rPr lang="en-US" dirty="0" smtClean="0"/>
+              <a:t>Game (phone number randomizer)</a:t>
+            </a:r>
+            <a:endParaRPr lang="en-US" dirty="0"/>
+          </a:p>
+        </p:txBody>
+      </p:sp>
+      <p:sp>
+        <p:nvSpPr>
+          <p:cNvPr id="6" name="Rectangle 5"/>
+          <p:cNvSpPr/>
+          <p:nvPr/>
+        </p:nvSpPr>
+        <p:spPr>
+          <a:xfrm>
+            <a:off x="1779372" y="4460789"/>
+            <a:ext cx="2092411" cy="1482811"/>
+          </a:xfrm>
+          <a:prstGeom prst="rect">
+            <a:avLst/>
+          </a:prstGeom>
+        </p:spPr>
+        <p:style>
+          <a:lnRef idx="2">
+            <a:schemeClr val="accent1">
+              <a:shade val="50000"/>
+            </a:schemeClr>
+          </a:lnRef>
+          <a:fillRef idx="1">
+            <a:schemeClr val="accent1"/>
+          </a:fillRef>
+          <a:effectRef idx="0">
+            <a:schemeClr val="accent1"/>
+          </a:effectRef>
+          <a:fontRef idx="minor">
+            <a:schemeClr val="lt1"/>
+          </a:fontRef>
+        </p:style>
+        <p:txBody>
+          <a:bodyPr rtlCol="0" anchor="ctr"/>
+          <a:lstStyle/>
+          <a:p>
+            <a:pPr algn="ctr"/>
+            <a:r>
+              <a:rPr lang="en-US" dirty="0" smtClean="0"/>
+              <a:t>Game players</a:t>
+            </a:r>
+            <a:endParaRPr lang="en-US" dirty="0"/>
+          </a:p>
+        </p:txBody>
+      </p:sp>
+      <p:cxnSp>
+        <p:nvCxnSpPr>
+          <p:cNvPr id="8" name="Straight Arrow Connector 7"/>
+          <p:cNvCxnSpPr>
+            <a:stCxn id="4" idx="3"/>
+            <a:endCxn id="5" idx="1"/>
+          </p:cNvCxnSpPr>
+          <p:nvPr/>
+        </p:nvCxnSpPr>
+        <p:spPr>
+          <a:xfrm>
+            <a:off x="3871784" y="3278660"/>
+            <a:ext cx="1912207" cy="0"/>
+          </a:xfrm>
+          <a:prstGeom prst="straightConnector1">
+            <a:avLst/>
+          </a:prstGeom>
+          <a:ln>
+            <a:tailEnd type="triangle"/>
+          </a:ln>
+        </p:spPr>
+        <p:style>
+          <a:lnRef idx="1">
+            <a:schemeClr val="accent1"/>
+          </a:lnRef>
+          <a:fillRef idx="0">
+            <a:schemeClr val="accent1"/>
+          </a:fillRef>
+          <a:effectRef idx="0">
+            <a:schemeClr val="accent1"/>
+          </a:effectRef>
+          <a:fontRef idx="minor">
+            <a:schemeClr val="tx1"/>
+          </a:fontRef>
+        </p:style>
+      </p:cxnSp>
+      <p:cxnSp>
+        <p:nvCxnSpPr>
+          <p:cNvPr id="9" name="Straight Arrow Connector 8"/>
+          <p:cNvCxnSpPr>
+            <a:stCxn id="6" idx="3"/>
+          </p:cNvCxnSpPr>
+          <p:nvPr/>
+        </p:nvCxnSpPr>
+        <p:spPr>
+          <a:xfrm flipV="1">
+            <a:off x="3871783" y="4020065"/>
+            <a:ext cx="2958413" cy="1182130"/>
+          </a:xfrm>
+          <a:prstGeom prst="straightConnector1">
+            <a:avLst/>
+          </a:prstGeom>
+          <a:ln>
+            <a:tailEnd type="triangle"/>
+          </a:ln>
+        </p:spPr>
+        <p:style>
+          <a:lnRef idx="1">
+            <a:schemeClr val="accent1"/>
+          </a:lnRef>
+          <a:fillRef idx="0">
+            <a:schemeClr val="accent1"/>
+          </a:fillRef>
+          <a:effectRef idx="0">
+            <a:schemeClr val="accent1"/>
+          </a:effectRef>
+          <a:fontRef idx="minor">
+            <a:schemeClr val="tx1"/>
+          </a:fontRef>
+        </p:style>
+      </p:cxnSp>
+      <p:sp>
+        <p:nvSpPr>
+          <p:cNvPr id="12" name="Rectangle 11"/>
+          <p:cNvSpPr/>
+          <p:nvPr/>
+        </p:nvSpPr>
+        <p:spPr>
+          <a:xfrm>
+            <a:off x="7771368" y="4694152"/>
+            <a:ext cx="2092411" cy="1482811"/>
+          </a:xfrm>
+          <a:prstGeom prst="rect">
+            <a:avLst/>
+          </a:prstGeom>
+        </p:spPr>
+        <p:style>
+          <a:lnRef idx="2">
+            <a:schemeClr val="accent1">
+              <a:shade val="50000"/>
+            </a:schemeClr>
+          </a:lnRef>
+          <a:fillRef idx="1">
+            <a:schemeClr val="accent1"/>
+          </a:fillRef>
+          <a:effectRef idx="0">
+            <a:schemeClr val="accent1"/>
+          </a:effectRef>
+          <a:fontRef idx="minor">
+            <a:schemeClr val="lt1"/>
+          </a:fontRef>
+        </p:style>
+        <p:txBody>
+          <a:bodyPr rtlCol="0" anchor="ctr"/>
+          <a:lstStyle/>
+          <a:p>
+            <a:pPr algn="ctr"/>
+            <a:r>
+              <a:rPr lang="en-US" dirty="0" smtClean="0"/>
+              <a:t>Winners</a:t>
+            </a:r>
+            <a:endParaRPr lang="en-US" dirty="0"/>
+          </a:p>
+        </p:txBody>
+      </p:sp>
+      <p:sp>
+        <p:nvSpPr>
+          <p:cNvPr id="14" name="Rectangle 13"/>
+          <p:cNvSpPr/>
+          <p:nvPr/>
+        </p:nvSpPr>
+        <p:spPr>
+          <a:xfrm>
+            <a:off x="9091481" y="2537254"/>
+            <a:ext cx="2092411" cy="1482811"/>
+          </a:xfrm>
+          <a:prstGeom prst="rect">
+            <a:avLst/>
+          </a:prstGeom>
+        </p:spPr>
+        <p:style>
+          <a:lnRef idx="2">
+            <a:schemeClr val="accent1">
+              <a:shade val="50000"/>
+            </a:schemeClr>
+          </a:lnRef>
+          <a:fillRef idx="1">
+            <a:schemeClr val="accent1"/>
+          </a:fillRef>
+          <a:effectRef idx="0">
+            <a:schemeClr val="accent1"/>
+          </a:effectRef>
+          <a:fontRef idx="minor">
+            <a:schemeClr val="lt1"/>
+          </a:fontRef>
+        </p:style>
+        <p:txBody>
+          <a:bodyPr rtlCol="0" anchor="ctr"/>
+          <a:lstStyle/>
+          <a:p>
+            <a:pPr algn="ctr"/>
+            <a:r>
+              <a:rPr lang="en-US" dirty="0" smtClean="0"/>
+              <a:t>Candidates</a:t>
+            </a:r>
+            <a:endParaRPr lang="en-US" dirty="0"/>
+          </a:p>
+        </p:txBody>
+      </p:sp>
+      <p:cxnSp>
+        <p:nvCxnSpPr>
+          <p:cNvPr id="18" name="Straight Arrow Connector 17"/>
+          <p:cNvCxnSpPr>
+            <a:stCxn id="5" idx="3"/>
+            <a:endCxn id="12" idx="0"/>
+          </p:cNvCxnSpPr>
+          <p:nvPr/>
+        </p:nvCxnSpPr>
+        <p:spPr>
+          <a:xfrm>
+            <a:off x="7876402" y="3278660"/>
+            <a:ext cx="941172" cy="1415492"/>
+          </a:xfrm>
+          <a:prstGeom prst="straightConnector1">
+            <a:avLst/>
+          </a:prstGeom>
+          <a:ln>
+            <a:tailEnd type="triangle"/>
+          </a:ln>
+        </p:spPr>
+        <p:style>
+          <a:lnRef idx="1">
+            <a:schemeClr val="accent1"/>
+          </a:lnRef>
+          <a:fillRef idx="0">
+            <a:schemeClr val="accent1"/>
+          </a:fillRef>
+          <a:effectRef idx="0">
+            <a:schemeClr val="accent1"/>
+          </a:effectRef>
+          <a:fontRef idx="minor">
+            <a:schemeClr val="tx1"/>
+          </a:fontRef>
+        </p:style>
+      </p:cxnSp>
+      <p:cxnSp>
+        <p:nvCxnSpPr>
+          <p:cNvPr id="22" name="Straight Arrow Connector 21"/>
+          <p:cNvCxnSpPr>
+            <a:endCxn id="14" idx="1"/>
+          </p:cNvCxnSpPr>
+          <p:nvPr/>
+        </p:nvCxnSpPr>
+        <p:spPr>
+          <a:xfrm>
+            <a:off x="7876402" y="3278659"/>
+            <a:ext cx="1215079" cy="1"/>
+          </a:xfrm>
+          <a:prstGeom prst="straightConnector1">
+            <a:avLst/>
+          </a:prstGeom>
+          <a:ln>
+            <a:headEnd type="triangle"/>
+            <a:tailEnd type="triangle"/>
+          </a:ln>
+        </p:spPr>
+        <p:style>
+          <a:lnRef idx="1">
+            <a:schemeClr val="accent1"/>
+          </a:lnRef>
+          <a:fillRef idx="0">
+            <a:schemeClr val="accent1"/>
+          </a:fillRef>
+          <a:effectRef idx="0">
+            <a:schemeClr val="accent1"/>
+          </a:effectRef>
+          <a:fontRef idx="minor">
+            <a:schemeClr val="tx1"/>
+          </a:fontRef>
+        </p:style>
+      </p:cxnSp>
+    </p:spTree>
+    <p:extLst>
+      <p:ext uri="{BB962C8B-B14F-4D97-AF65-F5344CB8AC3E}">
+        <p14:creationId xmlns:p14="http://schemas.microsoft.com/office/powerpoint/2010/main" val="1159222706"/>
+      </p:ext>
+    </p:extLst>
+  </p:cSld>
+  <p:clrMapOvr>
+    <a:masterClrMapping/>
+  </p:clrMapOvr>
+</p:sld>
+</file>
+
+<file path=ppt/slides/slide6.xml><?xml version="1.0" encoding="utf-8"?>
+<p:sld xmlns:a="http://schemas.openxmlformats.org/drawingml/2006/main" xmlns:r="http://schemas.openxmlformats.org/officeDocument/2006/relationships" xmlns:p="http://schemas.openxmlformats.org/presentationml/2006/main">
+  <p:cSld>
+    <p:spTree>
+      <p:nvGrpSpPr>
+        <p:cNvPr id="1" name=""/>
+        <p:cNvGrpSpPr/>
+        <p:nvPr/>
+      </p:nvGrpSpPr>
+      <p:grpSpPr>
+        <a:xfrm>
+          <a:off x="0" y="0"/>
+          <a:ext cx="0" cy="0"/>
+          <a:chOff x="0" y="0"/>
+          <a:chExt cx="0" cy="0"/>
+        </a:xfrm>
+      </p:grpSpPr>
+      <p:sp>
+        <p:nvSpPr>
+          <p:cNvPr id="2" name="Title 1"/>
+          <p:cNvSpPr>
+            <a:spLocks noGrp="1"/>
+          </p:cNvSpPr>
+          <p:nvPr>
+            <p:ph type="title"/>
+          </p:nvPr>
+        </p:nvSpPr>
+        <p:spPr/>
+        <p:txBody>
+          <a:bodyPr/>
+          <a:lstStyle/>
+          <a:p>
+            <a:r>
+              <a:rPr lang="en-US" dirty="0" smtClean="0"/>
+              <a:t>Winner game: game player</a:t>
+            </a:r>
+            <a:endParaRPr lang="en-US" dirty="0"/>
+          </a:p>
+        </p:txBody>
+      </p:sp>
+      <p:sp>
+        <p:nvSpPr>
+          <p:cNvPr id="3" name="Content Placeholder 2"/>
+          <p:cNvSpPr>
+            <a:spLocks noGrp="1"/>
+          </p:cNvSpPr>
+          <p:nvPr>
+            <p:ph idx="1"/>
+          </p:nvPr>
+        </p:nvSpPr>
+        <p:spPr/>
+        <p:txBody>
+          <a:bodyPr/>
+          <a:lstStyle/>
+          <a:p>
+            <a:endParaRPr lang="en-US" dirty="0"/>
+          </a:p>
+        </p:txBody>
+      </p:sp>
+      <p:sp>
+        <p:nvSpPr>
+          <p:cNvPr id="5" name="Rectangle 4"/>
+          <p:cNvSpPr/>
+          <p:nvPr/>
+        </p:nvSpPr>
+        <p:spPr>
+          <a:xfrm>
+            <a:off x="5783991" y="2537254"/>
+            <a:ext cx="2092411" cy="1482811"/>
+          </a:xfrm>
+          <a:prstGeom prst="rect">
+            <a:avLst/>
+          </a:prstGeom>
+        </p:spPr>
+        <p:style>
+          <a:lnRef idx="2">
+            <a:schemeClr val="accent1">
+              <a:shade val="50000"/>
+            </a:schemeClr>
+          </a:lnRef>
+          <a:fillRef idx="1">
+            <a:schemeClr val="accent1"/>
+          </a:fillRef>
+          <a:effectRef idx="0">
+            <a:schemeClr val="accent1"/>
+          </a:effectRef>
+          <a:fontRef idx="minor">
+            <a:schemeClr val="lt1"/>
+          </a:fontRef>
+        </p:style>
+        <p:txBody>
+          <a:bodyPr rtlCol="0" anchor="ctr"/>
+          <a:lstStyle/>
+          <a:p>
+            <a:pPr algn="ctr"/>
+            <a:r>
+              <a:rPr lang="en-US" dirty="0" smtClean="0"/>
+              <a:t>Game</a:t>
+            </a:r>
+            <a:endParaRPr lang="en-US" dirty="0"/>
+          </a:p>
+        </p:txBody>
+      </p:sp>
+      <p:sp>
+        <p:nvSpPr>
+          <p:cNvPr id="6" name="Rectangle 5"/>
+          <p:cNvSpPr/>
+          <p:nvPr/>
+        </p:nvSpPr>
+        <p:spPr>
+          <a:xfrm>
+            <a:off x="1779372" y="4460789"/>
+            <a:ext cx="2092411" cy="1482811"/>
+          </a:xfrm>
+          <a:prstGeom prst="rect">
+            <a:avLst/>
+          </a:prstGeom>
+        </p:spPr>
+        <p:style>
+          <a:lnRef idx="2">
+            <a:schemeClr val="accent1">
+              <a:shade val="50000"/>
+            </a:schemeClr>
+          </a:lnRef>
+          <a:fillRef idx="1">
+            <a:schemeClr val="accent1"/>
+          </a:fillRef>
+          <a:effectRef idx="0">
+            <a:schemeClr val="accent1"/>
+          </a:effectRef>
+          <a:fontRef idx="minor">
+            <a:schemeClr val="lt1"/>
+          </a:fontRef>
+        </p:style>
+        <p:txBody>
+          <a:bodyPr rtlCol="0" anchor="ctr"/>
+          <a:lstStyle/>
+          <a:p>
+            <a:pPr algn="ctr"/>
+            <a:r>
+              <a:rPr lang="en-US" dirty="0" smtClean="0"/>
+              <a:t>Game players</a:t>
+            </a:r>
+            <a:endParaRPr lang="en-US" dirty="0"/>
+          </a:p>
+        </p:txBody>
+      </p:sp>
+      <p:cxnSp>
+        <p:nvCxnSpPr>
+          <p:cNvPr id="9" name="Straight Arrow Connector 8"/>
+          <p:cNvCxnSpPr>
+            <a:stCxn id="6" idx="3"/>
+          </p:cNvCxnSpPr>
+          <p:nvPr/>
+        </p:nvCxnSpPr>
+        <p:spPr>
+          <a:xfrm flipV="1">
+            <a:off x="3871783" y="4020065"/>
+            <a:ext cx="2958413" cy="1182130"/>
+          </a:xfrm>
+          <a:prstGeom prst="straightConnector1">
+            <a:avLst/>
+          </a:prstGeom>
+          <a:ln>
+            <a:tailEnd type="triangle"/>
+          </a:ln>
+        </p:spPr>
+        <p:style>
+          <a:lnRef idx="1">
+            <a:schemeClr val="accent1"/>
+          </a:lnRef>
+          <a:fillRef idx="0">
+            <a:schemeClr val="accent1"/>
+          </a:fillRef>
+          <a:effectRef idx="0">
+            <a:schemeClr val="accent1"/>
+          </a:effectRef>
+          <a:fontRef idx="minor">
+            <a:schemeClr val="tx1"/>
+          </a:fontRef>
+        </p:style>
+      </p:cxnSp>
+      <p:sp>
+        <p:nvSpPr>
+          <p:cNvPr id="12" name="Rectangle 11"/>
+          <p:cNvSpPr/>
+          <p:nvPr/>
+        </p:nvSpPr>
+        <p:spPr>
+          <a:xfrm>
+            <a:off x="7771368" y="4694152"/>
+            <a:ext cx="2092411" cy="1482811"/>
+          </a:xfrm>
+          <a:prstGeom prst="rect">
+            <a:avLst/>
+          </a:prstGeom>
+        </p:spPr>
+        <p:style>
+          <a:lnRef idx="2">
+            <a:schemeClr val="accent1">
+              <a:shade val="50000"/>
+            </a:schemeClr>
+          </a:lnRef>
+          <a:fillRef idx="1">
+            <a:schemeClr val="accent1"/>
+          </a:fillRef>
+          <a:effectRef idx="0">
+            <a:schemeClr val="accent1"/>
+          </a:effectRef>
+          <a:fontRef idx="minor">
+            <a:schemeClr val="lt1"/>
+          </a:fontRef>
+        </p:style>
+        <p:txBody>
+          <a:bodyPr rtlCol="0" anchor="ctr"/>
+          <a:lstStyle/>
+          <a:p>
+            <a:pPr algn="ctr"/>
+            <a:r>
+              <a:rPr lang="en-US" dirty="0" smtClean="0"/>
+              <a:t>Winners</a:t>
+            </a:r>
+            <a:endParaRPr lang="en-US" dirty="0"/>
+          </a:p>
+        </p:txBody>
+      </p:sp>
+      <p:sp>
+        <p:nvSpPr>
+          <p:cNvPr id="14" name="Rectangle 13"/>
+          <p:cNvSpPr/>
+          <p:nvPr/>
+        </p:nvSpPr>
+        <p:spPr>
+          <a:xfrm>
+            <a:off x="1657351" y="2537254"/>
+            <a:ext cx="2092411" cy="1482811"/>
+          </a:xfrm>
+          <a:prstGeom prst="rect">
+            <a:avLst/>
+          </a:prstGeom>
+        </p:spPr>
+        <p:style>
+          <a:lnRef idx="2">
+            <a:schemeClr val="accent1">
+              <a:shade val="50000"/>
+            </a:schemeClr>
+          </a:lnRef>
+          <a:fillRef idx="1">
+            <a:schemeClr val="accent1"/>
+          </a:fillRef>
+          <a:effectRef idx="0">
+            <a:schemeClr val="accent1"/>
+          </a:effectRef>
+          <a:fontRef idx="minor">
+            <a:schemeClr val="lt1"/>
+          </a:fontRef>
+        </p:style>
+        <p:txBody>
+          <a:bodyPr rtlCol="0" anchor="ctr"/>
+          <a:lstStyle/>
+          <a:p>
+            <a:pPr algn="ctr"/>
+            <a:r>
+              <a:rPr lang="en-US" dirty="0" smtClean="0"/>
+              <a:t>Candidates</a:t>
+            </a:r>
+            <a:endParaRPr lang="en-US" dirty="0"/>
+          </a:p>
+        </p:txBody>
+      </p:sp>
+      <p:cxnSp>
+        <p:nvCxnSpPr>
+          <p:cNvPr id="18" name="Straight Arrow Connector 17"/>
+          <p:cNvCxnSpPr>
+            <a:stCxn id="5" idx="3"/>
+            <a:endCxn id="12" idx="0"/>
+          </p:cNvCxnSpPr>
+          <p:nvPr/>
+        </p:nvCxnSpPr>
+        <p:spPr>
+          <a:xfrm>
+            <a:off x="7876402" y="3278660"/>
+            <a:ext cx="941172" cy="1415492"/>
+          </a:xfrm>
+          <a:prstGeom prst="straightConnector1">
+            <a:avLst/>
+          </a:prstGeom>
+          <a:ln>
+            <a:tailEnd type="triangle"/>
+          </a:ln>
+        </p:spPr>
+        <p:style>
+          <a:lnRef idx="1">
+            <a:schemeClr val="accent1"/>
+          </a:lnRef>
+          <a:fillRef idx="0">
+            <a:schemeClr val="accent1"/>
+          </a:fillRef>
+          <a:effectRef idx="0">
+            <a:schemeClr val="accent1"/>
+          </a:effectRef>
+          <a:fontRef idx="minor">
+            <a:schemeClr val="tx1"/>
+          </a:fontRef>
+        </p:style>
+      </p:cxnSp>
+      <p:cxnSp>
+        <p:nvCxnSpPr>
+          <p:cNvPr id="22" name="Straight Arrow Connector 21"/>
+          <p:cNvCxnSpPr>
+            <a:stCxn id="6" idx="0"/>
+          </p:cNvCxnSpPr>
+          <p:nvPr/>
+        </p:nvCxnSpPr>
+        <p:spPr>
+          <a:xfrm flipH="1" flipV="1">
+            <a:off x="2693773" y="4020065"/>
+            <a:ext cx="131805" cy="440724"/>
+          </a:xfrm>
+          <a:prstGeom prst="straightConnector1">
+            <a:avLst/>
+          </a:prstGeom>
+          <a:ln>
+            <a:headEnd type="triangle"/>
+            <a:tailEnd type="triangle"/>
+          </a:ln>
+        </p:spPr>
+        <p:style>
+          <a:lnRef idx="1">
+            <a:schemeClr val="accent1"/>
+          </a:lnRef>
+          <a:fillRef idx="0">
+            <a:schemeClr val="accent1"/>
+          </a:fillRef>
+          <a:effectRef idx="0">
+            <a:schemeClr val="accent1"/>
+          </a:effectRef>
+          <a:fontRef idx="minor">
+            <a:schemeClr val="tx1"/>
+          </a:fontRef>
+        </p:style>
+      </p:cxnSp>
+      <p:cxnSp>
+        <p:nvCxnSpPr>
+          <p:cNvPr id="15" name="Straight Arrow Connector 14"/>
+          <p:cNvCxnSpPr>
+            <a:stCxn id="5" idx="1"/>
+            <a:endCxn id="14" idx="3"/>
+          </p:cNvCxnSpPr>
+          <p:nvPr/>
+        </p:nvCxnSpPr>
+        <p:spPr>
+          <a:xfrm flipH="1">
+            <a:off x="3749762" y="3278660"/>
+            <a:ext cx="2034229" cy="0"/>
+          </a:xfrm>
+          <a:prstGeom prst="straightConnector1">
+            <a:avLst/>
+          </a:prstGeom>
+          <a:ln>
+            <a:headEnd type="triangle"/>
+            <a:tailEnd type="triangle"/>
+          </a:ln>
+        </p:spPr>
+        <p:style>
+          <a:lnRef idx="1">
+            <a:schemeClr val="accent1"/>
+          </a:lnRef>
+          <a:fillRef idx="0">
+            <a:schemeClr val="accent1"/>
+          </a:fillRef>
+          <a:effectRef idx="0">
+            <a:schemeClr val="accent1"/>
+          </a:effectRef>
+          <a:fontRef idx="minor">
+            <a:schemeClr val="tx1"/>
+          </a:fontRef>
+        </p:style>
+      </p:cxnSp>
+      <p:cxnSp>
+        <p:nvCxnSpPr>
+          <p:cNvPr id="19" name="Straight Arrow Connector 18"/>
+          <p:cNvCxnSpPr>
+            <a:stCxn id="12" idx="1"/>
+            <a:endCxn id="6" idx="3"/>
+          </p:cNvCxnSpPr>
+          <p:nvPr/>
+        </p:nvCxnSpPr>
+        <p:spPr>
+          <a:xfrm flipH="1" flipV="1">
+            <a:off x="3871783" y="5202195"/>
+            <a:ext cx="3899585" cy="233363"/>
+          </a:xfrm>
+          <a:prstGeom prst="straightConnector1">
+            <a:avLst/>
+          </a:prstGeom>
+          <a:ln>
+            <a:headEnd type="triangle"/>
+            <a:tailEnd type="triangle"/>
+          </a:ln>
+        </p:spPr>
+        <p:style>
+          <a:lnRef idx="1">
+            <a:schemeClr val="accent1"/>
+          </a:lnRef>
+          <a:fillRef idx="0">
+            <a:schemeClr val="accent1"/>
+          </a:fillRef>
+          <a:effectRef idx="0">
+            <a:schemeClr val="accent1"/>
+          </a:effectRef>
+          <a:fontRef idx="minor">
+            <a:schemeClr val="tx1"/>
+          </a:fontRef>
+        </p:style>
+      </p:cxnSp>
+    </p:spTree>
+    <p:extLst>
+      <p:ext uri="{BB962C8B-B14F-4D97-AF65-F5344CB8AC3E}">
+        <p14:creationId xmlns:p14="http://schemas.microsoft.com/office/powerpoint/2010/main" val="1745128215"/>
+      </p:ext>
+    </p:extLst>
+  </p:cSld>
+  <p:clrMapOvr>
+    <a:masterClrMapping/>
+  </p:clrMapOvr>
+</p:sld>
+</file>
+
+<file path=ppt/slides/slide7.xml><?xml version="1.0" encoding="utf-8"?>
+<p:sld xmlns:a="http://schemas.openxmlformats.org/drawingml/2006/main" xmlns:r="http://schemas.openxmlformats.org/officeDocument/2006/relationships" xmlns:p="http://schemas.openxmlformats.org/presentationml/2006/main">
+  <p:cSld>
+    <p:spTree>
+      <p:nvGrpSpPr>
+        <p:cNvPr id="1" name=""/>
+        <p:cNvGrpSpPr/>
+        <p:nvPr/>
+      </p:nvGrpSpPr>
+      <p:grpSpPr>
+        <a:xfrm>
+          <a:off x="0" y="0"/>
+          <a:ext cx="0" cy="0"/>
+          <a:chOff x="0" y="0"/>
+          <a:chExt cx="0" cy="0"/>
+        </a:xfrm>
+      </p:grpSpPr>
+      <p:sp>
+        <p:nvSpPr>
+          <p:cNvPr id="2" name="Title 1"/>
+          <p:cNvSpPr>
+            <a:spLocks noGrp="1"/>
+          </p:cNvSpPr>
+          <p:nvPr>
+            <p:ph type="title"/>
+          </p:nvPr>
+        </p:nvSpPr>
+        <p:spPr/>
+        <p:txBody>
+          <a:bodyPr/>
+          <a:lstStyle/>
+          <a:p>
+            <a:r>
+              <a:rPr lang="en-US" dirty="0" smtClean="0"/>
+              <a:t>Winner game: Game issuer</a:t>
+            </a:r>
+            <a:endParaRPr lang="en-US" dirty="0"/>
+          </a:p>
+        </p:txBody>
+      </p:sp>
+      <p:sp>
+        <p:nvSpPr>
+          <p:cNvPr id="3" name="Content Placeholder 2"/>
+          <p:cNvSpPr>
+            <a:spLocks noGrp="1"/>
+          </p:cNvSpPr>
+          <p:nvPr>
+            <p:ph idx="1"/>
+          </p:nvPr>
+        </p:nvSpPr>
+        <p:spPr/>
+        <p:txBody>
+          <a:bodyPr/>
+          <a:lstStyle/>
+          <a:p>
+            <a:endParaRPr lang="en-US" dirty="0"/>
+          </a:p>
+        </p:txBody>
+      </p:sp>
+      <p:sp>
+        <p:nvSpPr>
+          <p:cNvPr id="4" name="Rectangle 3"/>
+          <p:cNvSpPr/>
+          <p:nvPr/>
+        </p:nvSpPr>
+        <p:spPr>
+          <a:xfrm>
+            <a:off x="1779373" y="2537254"/>
+            <a:ext cx="2092411" cy="1482811"/>
+          </a:xfrm>
+          <a:prstGeom prst="rect">
+            <a:avLst/>
+          </a:prstGeom>
+        </p:spPr>
+        <p:style>
+          <a:lnRef idx="2">
+            <a:schemeClr val="accent1">
+              <a:shade val="50000"/>
+            </a:schemeClr>
+          </a:lnRef>
+          <a:fillRef idx="1">
+            <a:schemeClr val="accent1"/>
+          </a:fillRef>
+          <a:effectRef idx="0">
+            <a:schemeClr val="accent1"/>
+          </a:effectRef>
+          <a:fontRef idx="minor">
+            <a:schemeClr val="lt1"/>
+          </a:fontRef>
+        </p:style>
+        <p:txBody>
+          <a:bodyPr rtlCol="0" anchor="ctr"/>
+          <a:lstStyle/>
+          <a:p>
+            <a:pPr algn="ctr"/>
+            <a:r>
+              <a:rPr lang="en-US" dirty="0" smtClean="0"/>
+              <a:t>Game issuers</a:t>
+            </a:r>
+            <a:endParaRPr lang="en-US" dirty="0"/>
+          </a:p>
+        </p:txBody>
+      </p:sp>
+      <p:sp>
+        <p:nvSpPr>
+          <p:cNvPr id="5" name="Rectangle 4"/>
+          <p:cNvSpPr/>
+          <p:nvPr/>
+        </p:nvSpPr>
+        <p:spPr>
+          <a:xfrm>
+            <a:off x="5783991" y="2537254"/>
+            <a:ext cx="2092411" cy="1482811"/>
+          </a:xfrm>
+          <a:prstGeom prst="rect">
+            <a:avLst/>
+          </a:prstGeom>
+        </p:spPr>
+        <p:style>
+          <a:lnRef idx="2">
+            <a:schemeClr val="accent1">
+              <a:shade val="50000"/>
+            </a:schemeClr>
+          </a:lnRef>
+          <a:fillRef idx="1">
+            <a:schemeClr val="accent1"/>
+          </a:fillRef>
+          <a:effectRef idx="0">
+            <a:schemeClr val="accent1"/>
+          </a:effectRef>
+          <a:fontRef idx="minor">
+            <a:schemeClr val="lt1"/>
+          </a:fontRef>
+        </p:style>
+        <p:txBody>
+          <a:bodyPr rtlCol="0" anchor="ctr"/>
+          <a:lstStyle/>
+          <a:p>
+            <a:pPr algn="ctr"/>
+            <a:r>
+              <a:rPr lang="en-US" dirty="0" smtClean="0"/>
+              <a:t>Game</a:t>
+            </a:r>
+            <a:endParaRPr lang="en-US" dirty="0"/>
+          </a:p>
+        </p:txBody>
+      </p:sp>
+      <p:cxnSp>
+        <p:nvCxnSpPr>
+          <p:cNvPr id="8" name="Straight Arrow Connector 7"/>
+          <p:cNvCxnSpPr>
+            <a:stCxn id="4" idx="3"/>
+            <a:endCxn id="5" idx="1"/>
+          </p:cNvCxnSpPr>
+          <p:nvPr/>
+        </p:nvCxnSpPr>
+        <p:spPr>
+          <a:xfrm>
+            <a:off x="3871784" y="3278660"/>
+            <a:ext cx="1912207" cy="0"/>
+          </a:xfrm>
+          <a:prstGeom prst="straightConnector1">
+            <a:avLst/>
+          </a:prstGeom>
+          <a:ln>
+            <a:tailEnd type="triangle"/>
+          </a:ln>
+        </p:spPr>
+        <p:style>
+          <a:lnRef idx="1">
+            <a:schemeClr val="accent1"/>
+          </a:lnRef>
+          <a:fillRef idx="0">
+            <a:schemeClr val="accent1"/>
+          </a:fillRef>
+          <a:effectRef idx="0">
+            <a:schemeClr val="accent1"/>
+          </a:effectRef>
+          <a:fontRef idx="minor">
+            <a:schemeClr val="tx1"/>
+          </a:fontRef>
+        </p:style>
+      </p:cxnSp>
+      <p:sp>
+        <p:nvSpPr>
+          <p:cNvPr id="12" name="Rectangle 11"/>
+          <p:cNvSpPr/>
+          <p:nvPr/>
+        </p:nvSpPr>
+        <p:spPr>
+          <a:xfrm>
+            <a:off x="7771368" y="4694152"/>
+            <a:ext cx="2092411" cy="1482811"/>
+          </a:xfrm>
+          <a:prstGeom prst="rect">
+            <a:avLst/>
+          </a:prstGeom>
+        </p:spPr>
+        <p:style>
+          <a:lnRef idx="2">
+            <a:schemeClr val="accent1">
+              <a:shade val="50000"/>
+            </a:schemeClr>
+          </a:lnRef>
+          <a:fillRef idx="1">
+            <a:schemeClr val="accent1"/>
+          </a:fillRef>
+          <a:effectRef idx="0">
+            <a:schemeClr val="accent1"/>
+          </a:effectRef>
+          <a:fontRef idx="minor">
+            <a:schemeClr val="lt1"/>
+          </a:fontRef>
+        </p:style>
+        <p:txBody>
+          <a:bodyPr rtlCol="0" anchor="ctr"/>
+          <a:lstStyle/>
+          <a:p>
+            <a:pPr algn="ctr"/>
+            <a:r>
+              <a:rPr lang="en-US" dirty="0" smtClean="0"/>
+              <a:t>Winners</a:t>
+            </a:r>
+            <a:endParaRPr lang="en-US" dirty="0"/>
+          </a:p>
+        </p:txBody>
+      </p:sp>
+      <p:sp>
+        <p:nvSpPr>
+          <p:cNvPr id="14" name="Rectangle 13"/>
+          <p:cNvSpPr/>
+          <p:nvPr/>
+        </p:nvSpPr>
+        <p:spPr>
+          <a:xfrm>
+            <a:off x="3691580" y="4320273"/>
+            <a:ext cx="2092411" cy="1482811"/>
+          </a:xfrm>
+          <a:prstGeom prst="rect">
+            <a:avLst/>
+          </a:prstGeom>
+        </p:spPr>
+        <p:style>
+          <a:lnRef idx="2">
+            <a:schemeClr val="accent1">
+              <a:shade val="50000"/>
+            </a:schemeClr>
+          </a:lnRef>
+          <a:fillRef idx="1">
+            <a:schemeClr val="accent1"/>
+          </a:fillRef>
+          <a:effectRef idx="0">
+            <a:schemeClr val="accent1"/>
+          </a:effectRef>
+          <a:fontRef idx="minor">
+            <a:schemeClr val="lt1"/>
+          </a:fontRef>
+        </p:style>
+        <p:txBody>
+          <a:bodyPr rtlCol="0" anchor="ctr"/>
+          <a:lstStyle/>
+          <a:p>
+            <a:pPr algn="ctr"/>
+            <a:r>
+              <a:rPr lang="en-US" dirty="0" smtClean="0"/>
+              <a:t>Candidates</a:t>
+            </a:r>
+            <a:endParaRPr lang="en-US" dirty="0"/>
+          </a:p>
+        </p:txBody>
+      </p:sp>
+      <p:cxnSp>
+        <p:nvCxnSpPr>
+          <p:cNvPr id="18" name="Straight Arrow Connector 17"/>
+          <p:cNvCxnSpPr>
+            <a:stCxn id="5" idx="3"/>
+            <a:endCxn id="12" idx="0"/>
+          </p:cNvCxnSpPr>
+          <p:nvPr/>
+        </p:nvCxnSpPr>
+        <p:spPr>
+          <a:xfrm>
+            <a:off x="7876402" y="3278660"/>
+            <a:ext cx="941172" cy="1415492"/>
+          </a:xfrm>
+          <a:prstGeom prst="straightConnector1">
+            <a:avLst/>
+          </a:prstGeom>
+          <a:ln>
+            <a:tailEnd type="triangle"/>
+          </a:ln>
+        </p:spPr>
+        <p:style>
+          <a:lnRef idx="1">
+            <a:schemeClr val="accent1"/>
+          </a:lnRef>
+          <a:fillRef idx="0">
+            <a:schemeClr val="accent1"/>
+          </a:fillRef>
+          <a:effectRef idx="0">
+            <a:schemeClr val="accent1"/>
+          </a:effectRef>
+          <a:fontRef idx="minor">
+            <a:schemeClr val="tx1"/>
+          </a:fontRef>
+        </p:style>
+      </p:cxnSp>
+      <p:cxnSp>
+        <p:nvCxnSpPr>
+          <p:cNvPr id="22" name="Straight Arrow Connector 21"/>
+          <p:cNvCxnSpPr>
+            <a:stCxn id="4" idx="2"/>
+            <a:endCxn id="14" idx="1"/>
+          </p:cNvCxnSpPr>
+          <p:nvPr/>
+        </p:nvCxnSpPr>
+        <p:spPr>
+          <a:xfrm>
+            <a:off x="2825579" y="4020065"/>
+            <a:ext cx="866001" cy="1041614"/>
+          </a:xfrm>
+          <a:prstGeom prst="straightConnector1">
+            <a:avLst/>
+          </a:prstGeom>
+          <a:ln>
+            <a:headEnd type="triangle"/>
+            <a:tailEnd type="triangle"/>
+          </a:ln>
+        </p:spPr>
+        <p:style>
+          <a:lnRef idx="1">
+            <a:schemeClr val="accent1"/>
+          </a:lnRef>
+          <a:fillRef idx="0">
+            <a:schemeClr val="accent1"/>
+          </a:fillRef>
+          <a:effectRef idx="0">
+            <a:schemeClr val="accent1"/>
+          </a:effectRef>
+          <a:fontRef idx="minor">
+            <a:schemeClr val="tx1"/>
+          </a:fontRef>
+        </p:style>
+      </p:cxnSp>
+      <p:cxnSp>
+        <p:nvCxnSpPr>
+          <p:cNvPr id="19" name="Straight Arrow Connector 18"/>
+          <p:cNvCxnSpPr>
+            <a:stCxn id="14" idx="3"/>
+            <a:endCxn id="5" idx="2"/>
+          </p:cNvCxnSpPr>
+          <p:nvPr/>
+        </p:nvCxnSpPr>
+        <p:spPr>
+          <a:xfrm flipV="1">
+            <a:off x="5783991" y="4020065"/>
+            <a:ext cx="1046206" cy="1041614"/>
+          </a:xfrm>
+          <a:prstGeom prst="straightConnector1">
+            <a:avLst/>
+          </a:prstGeom>
+          <a:ln>
+            <a:headEnd type="triangle"/>
+            <a:tailEnd type="triangle"/>
+          </a:ln>
+        </p:spPr>
+        <p:style>
+          <a:lnRef idx="1">
+            <a:schemeClr val="accent1"/>
+          </a:lnRef>
+          <a:fillRef idx="0">
+            <a:schemeClr val="accent1"/>
+          </a:fillRef>
+          <a:effectRef idx="0">
+            <a:schemeClr val="accent1"/>
+          </a:effectRef>
+          <a:fontRef idx="minor">
+            <a:schemeClr val="tx1"/>
+          </a:fontRef>
+        </p:style>
+      </p:cxnSp>
+    </p:spTree>
+    <p:extLst>
+      <p:ext uri="{BB962C8B-B14F-4D97-AF65-F5344CB8AC3E}">
+        <p14:creationId xmlns:p14="http://schemas.microsoft.com/office/powerpoint/2010/main" val="1753118853"/>
       </p:ext>
     </p:extLst>
   </p:cSld>
